--- a/第二次作业讲评.pptx
+++ b/第二次作业讲评.pptx
@@ -1222,294 +1222,6 @@
       <dsp:cNvGrpSpPr/>
     </dsp:nvGrpSpPr>
     <dsp:grpSpPr/>
-    <dsp:sp modelId="{CF1DDA4B-774E-4538-9B55-409F0F3523B6}">
-      <dsp:nvSpPr>
-        <dsp:cNvPr id="0" name=""/>
-        <dsp:cNvSpPr/>
-      </dsp:nvSpPr>
-      <dsp:spPr>
-        <a:xfrm>
-          <a:off x="0" y="12800"/>
-          <a:ext cx="10058399" cy="1056510"/>
-        </a:xfrm>
-        <a:prstGeom prst="roundRect">
-          <a:avLst/>
-        </a:prstGeom>
-        <a:solidFill>
-          <a:schemeClr val="accent1">
-            <a:hueOff val="0"/>
-            <a:satOff val="0"/>
-            <a:lumOff val="0"/>
-            <a:alphaOff val="0"/>
-          </a:schemeClr>
-        </a:solidFill>
-        <a:ln w="12700" cap="flat" cmpd="sng" algn="ctr">
-          <a:noFill/>
-          <a:prstDash val="solid"/>
-        </a:ln>
-        <a:effectLst/>
-      </dsp:spPr>
-      <dsp:style>
-        <a:lnRef idx="2">
-          <a:scrgbClr r="0" g="0" b="0"/>
-        </a:lnRef>
-        <a:fillRef idx="1">
-          <a:scrgbClr r="0" g="0" b="0"/>
-        </a:fillRef>
-        <a:effectRef idx="0">
-          <a:scrgbClr r="0" g="0" b="0"/>
-        </a:effectRef>
-        <a:fontRef idx="minor">
-          <a:schemeClr val="lt1"/>
-        </a:fontRef>
-      </dsp:style>
-      <dsp:txBody>
-        <a:bodyPr spcFirstLastPara="0" vert="horz" wrap="square" lIns="160020" tIns="160020" rIns="160020" bIns="160020" numCol="1" spcCol="1270" anchor="ctr" anchorCtr="0">
-          <a:noAutofit/>
-        </a:bodyPr>
-        <a:lstStyle/>
-        <a:p>
-          <a:pPr lvl="0" algn="l" defTabSz="1866900">
-            <a:lnSpc>
-              <a:spcPct val="90000"/>
-            </a:lnSpc>
-            <a:spcBef>
-              <a:spcPct val="0"/>
-            </a:spcBef>
-            <a:spcAft>
-              <a:spcPct val="35000"/>
-            </a:spcAft>
-          </a:pPr>
-          <a:r>
-            <a:rPr lang="zh-CN" altLang="en-US" sz="4200" kern="1200" dirty="0" smtClean="0"/>
-            <a:t>需求规格说明书概述</a:t>
-          </a:r>
-          <a:endParaRPr lang="zh-CN" altLang="en-US" sz="4200" kern="1200" dirty="0"/>
-        </a:p>
-      </dsp:txBody>
-      <dsp:txXfrm>
-        <a:off x="51575" y="64375"/>
-        <a:ext cx="9955249" cy="953360"/>
-      </dsp:txXfrm>
-    </dsp:sp>
-    <dsp:sp modelId="{2C33BA49-1F3B-47BC-9583-0BBD78E15BDD}">
-      <dsp:nvSpPr>
-        <dsp:cNvPr id="0" name=""/>
-        <dsp:cNvSpPr/>
-      </dsp:nvSpPr>
-      <dsp:spPr>
-        <a:xfrm>
-          <a:off x="0" y="1069310"/>
-          <a:ext cx="10058399" cy="1217160"/>
-        </a:xfrm>
-        <a:prstGeom prst="rect">
-          <a:avLst/>
-        </a:prstGeom>
-        <a:noFill/>
-        <a:ln>
-          <a:noFill/>
-        </a:ln>
-        <a:effectLst/>
-      </dsp:spPr>
-      <dsp:style>
-        <a:lnRef idx="0">
-          <a:scrgbClr r="0" g="0" b="0"/>
-        </a:lnRef>
-        <a:fillRef idx="0">
-          <a:scrgbClr r="0" g="0" b="0"/>
-        </a:fillRef>
-        <a:effectRef idx="0">
-          <a:scrgbClr r="0" g="0" b="0"/>
-        </a:effectRef>
-        <a:fontRef idx="minor"/>
-      </dsp:style>
-      <dsp:txBody>
-        <a:bodyPr spcFirstLastPara="0" vert="horz" wrap="square" lIns="319354" tIns="53340" rIns="298704" bIns="53340" numCol="1" spcCol="1270" anchor="t" anchorCtr="0">
-          <a:noAutofit/>
-        </a:bodyPr>
-        <a:lstStyle/>
-        <a:p>
-          <a:pPr marL="285750" lvl="1" indent="-285750" algn="l" defTabSz="1466850">
-            <a:lnSpc>
-              <a:spcPct val="90000"/>
-            </a:lnSpc>
-            <a:spcBef>
-              <a:spcPct val="0"/>
-            </a:spcBef>
-            <a:spcAft>
-              <a:spcPct val="20000"/>
-            </a:spcAft>
-            <a:buChar char="••"/>
-          </a:pPr>
-          <a:r>
-            <a:rPr lang="zh-CN" altLang="en-US" sz="3300" kern="1200" dirty="0" smtClean="0"/>
-            <a:t>需求规格说明书整体框架</a:t>
-          </a:r>
-          <a:endParaRPr lang="zh-CN" altLang="en-US" sz="3300" kern="1200" dirty="0"/>
-        </a:p>
-        <a:p>
-          <a:pPr marL="285750" lvl="1" indent="-285750" algn="l" defTabSz="1466850">
-            <a:lnSpc>
-              <a:spcPct val="90000"/>
-            </a:lnSpc>
-            <a:spcBef>
-              <a:spcPct val="0"/>
-            </a:spcBef>
-            <a:spcAft>
-              <a:spcPct val="20000"/>
-            </a:spcAft>
-            <a:buChar char="••"/>
-          </a:pPr>
-          <a:r>
-            <a:rPr lang="zh-CN" altLang="en-US" sz="3300" kern="1200" dirty="0" smtClean="0"/>
-            <a:t>重点讲解：功能需求</a:t>
-          </a:r>
-          <a:endParaRPr lang="zh-CN" altLang="en-US" sz="3300" kern="1200" dirty="0"/>
-        </a:p>
-      </dsp:txBody>
-      <dsp:txXfrm>
-        <a:off x="0" y="1069310"/>
-        <a:ext cx="10058399" cy="1217160"/>
-      </dsp:txXfrm>
-    </dsp:sp>
-    <dsp:sp modelId="{B245C418-816D-4F19-AE58-EE1B54D1E1DE}">
-      <dsp:nvSpPr>
-        <dsp:cNvPr id="0" name=""/>
-        <dsp:cNvSpPr/>
-      </dsp:nvSpPr>
-      <dsp:spPr>
-        <a:xfrm>
-          <a:off x="0" y="2286470"/>
-          <a:ext cx="10058399" cy="1056510"/>
-        </a:xfrm>
-        <a:prstGeom prst="roundRect">
-          <a:avLst/>
-        </a:prstGeom>
-        <a:solidFill>
-          <a:schemeClr val="accent1">
-            <a:hueOff val="0"/>
-            <a:satOff val="0"/>
-            <a:lumOff val="0"/>
-            <a:alphaOff val="0"/>
-          </a:schemeClr>
-        </a:solidFill>
-        <a:ln w="12700" cap="flat" cmpd="sng" algn="ctr">
-          <a:solidFill>
-            <a:schemeClr val="lt1">
-              <a:hueOff val="0"/>
-              <a:satOff val="0"/>
-              <a:lumOff val="0"/>
-              <a:alphaOff val="0"/>
-            </a:schemeClr>
-          </a:solidFill>
-          <a:prstDash val="solid"/>
-        </a:ln>
-        <a:effectLst/>
-      </dsp:spPr>
-      <dsp:style>
-        <a:lnRef idx="2">
-          <a:scrgbClr r="0" g="0" b="0"/>
-        </a:lnRef>
-        <a:fillRef idx="1">
-          <a:scrgbClr r="0" g="0" b="0"/>
-        </a:fillRef>
-        <a:effectRef idx="0">
-          <a:scrgbClr r="0" g="0" b="0"/>
-        </a:effectRef>
-        <a:fontRef idx="minor">
-          <a:schemeClr val="lt1"/>
-        </a:fontRef>
-      </dsp:style>
-      <dsp:txBody>
-        <a:bodyPr spcFirstLastPara="0" vert="horz" wrap="square" lIns="160020" tIns="160020" rIns="160020" bIns="160020" numCol="1" spcCol="1270" anchor="ctr" anchorCtr="0">
-          <a:noAutofit/>
-        </a:bodyPr>
-        <a:lstStyle/>
-        <a:p>
-          <a:pPr lvl="0" algn="l" defTabSz="1866900">
-            <a:lnSpc>
-              <a:spcPct val="90000"/>
-            </a:lnSpc>
-            <a:spcBef>
-              <a:spcPct val="0"/>
-            </a:spcBef>
-            <a:spcAft>
-              <a:spcPct val="35000"/>
-            </a:spcAft>
-          </a:pPr>
-          <a:r>
-            <a:rPr lang="zh-CN" altLang="en-US" sz="4200" kern="1200" dirty="0" smtClean="0"/>
-            <a:t>大作业典型案例分析</a:t>
-          </a:r>
-          <a:endParaRPr lang="zh-CN" altLang="en-US" sz="4200" kern="1200" dirty="0"/>
-        </a:p>
-      </dsp:txBody>
-      <dsp:txXfrm>
-        <a:off x="51575" y="2338045"/>
-        <a:ext cx="9955249" cy="953360"/>
-      </dsp:txXfrm>
-    </dsp:sp>
-    <dsp:sp modelId="{3CD063A0-4F64-4065-9467-CA030CC04DB9}">
-      <dsp:nvSpPr>
-        <dsp:cNvPr id="0" name=""/>
-        <dsp:cNvSpPr/>
-      </dsp:nvSpPr>
-      <dsp:spPr>
-        <a:xfrm>
-          <a:off x="0" y="3342979"/>
-          <a:ext cx="10058399" cy="695520"/>
-        </a:xfrm>
-        <a:prstGeom prst="rect">
-          <a:avLst/>
-        </a:prstGeom>
-        <a:noFill/>
-        <a:ln>
-          <a:noFill/>
-        </a:ln>
-        <a:effectLst/>
-      </dsp:spPr>
-      <dsp:style>
-        <a:lnRef idx="0">
-          <a:scrgbClr r="0" g="0" b="0"/>
-        </a:lnRef>
-        <a:fillRef idx="0">
-          <a:scrgbClr r="0" g="0" b="0"/>
-        </a:fillRef>
-        <a:effectRef idx="0">
-          <a:scrgbClr r="0" g="0" b="0"/>
-        </a:effectRef>
-        <a:fontRef idx="minor"/>
-      </dsp:style>
-      <dsp:txBody>
-        <a:bodyPr spcFirstLastPara="0" vert="horz" wrap="square" lIns="319354" tIns="53340" rIns="298704" bIns="53340" numCol="1" spcCol="1270" anchor="t" anchorCtr="0">
-          <a:noAutofit/>
-        </a:bodyPr>
-        <a:lstStyle/>
-        <a:p>
-          <a:pPr marL="285750" lvl="1" indent="-285750" algn="l" defTabSz="1466850">
-            <a:lnSpc>
-              <a:spcPct val="90000"/>
-            </a:lnSpc>
-            <a:spcBef>
-              <a:spcPct val="0"/>
-            </a:spcBef>
-            <a:spcAft>
-              <a:spcPct val="20000"/>
-            </a:spcAft>
-            <a:buChar char="••"/>
-          </a:pPr>
-          <a:r>
-            <a:rPr lang="zh-CN" altLang="en-US" sz="3300" kern="1200" dirty="0" smtClean="0"/>
-            <a:t>部分作业讲评</a:t>
-          </a:r>
-          <a:endParaRPr lang="zh-CN" altLang="en-US" sz="3300" kern="1200" dirty="0"/>
-        </a:p>
-      </dsp:txBody>
-      <dsp:txXfrm>
-        <a:off x="0" y="3342979"/>
-        <a:ext cx="10058399" cy="695520"/>
-      </dsp:txXfrm>
-    </dsp:sp>
   </dsp:spTree>
 </dsp:drawing>
 </file>
@@ -2797,7 +2509,7 @@
           <a:p>
             <a:fld id="{79B5410C-3C1C-4E08-A8A4-8FFCCBB88027}" type="datetimeFigureOut">
               <a:rPr lang="zh-CN" altLang="en-US" smtClean="0"/>
-              <a:t>2015/12/15</a:t>
+              <a:t>2016/1/4</a:t>
             </a:fld>
             <a:endParaRPr lang="zh-CN" altLang="en-US"/>
           </a:p>
@@ -3785,19 +3497,7 @@
                 <a:ea typeface="+mn-ea"/>
                 <a:cs typeface="+mn-cs"/>
               </a:rPr>
-              <a:t>用例</a:t>
-            </a:r>
-            <a:r>
-              <a:rPr lang="zh-CN" altLang="zh-CN" sz="1200" b="1" kern="1200" smtClean="0">
-                <a:solidFill>
-                  <a:schemeClr val="tx1"/>
-                </a:solidFill>
-                <a:effectLst/>
-                <a:latin typeface="+mn-lt"/>
-                <a:ea typeface="+mn-ea"/>
-                <a:cs typeface="+mn-cs"/>
-              </a:rPr>
-              <a:t>有问题</a:t>
+              <a:t>用例有问题</a:t>
             </a:r>
             <a:endParaRPr lang="zh-CN" altLang="en-US" dirty="0"/>
           </a:p>
@@ -5610,7 +5310,7 @@
             <a:fld id="{96DFF08F-DC6B-4601-B491-B0F83F6DD2DA}" type="datetimeFigureOut">
               <a:rPr lang="en-US" smtClean="0"/>
               <a:pPr/>
-              <a:t>12/15/2015</a:t>
+              <a:t>1/4/2016</a:t>
             </a:fld>
             <a:endParaRPr lang="en-US" dirty="0"/>
           </a:p>
@@ -5793,7 +5493,7 @@
           <a:p>
             <a:fld id="{96DFF08F-DC6B-4601-B491-B0F83F6DD2DA}" type="datetimeFigureOut">
               <a:rPr lang="en-US" smtClean="0"/>
-              <a:t>12/15/2015</a:t>
+              <a:t>1/4/2016</a:t>
             </a:fld>
             <a:endParaRPr lang="en-US" dirty="0"/>
           </a:p>
@@ -5985,7 +5685,7 @@
           <a:p>
             <a:fld id="{96DFF08F-DC6B-4601-B491-B0F83F6DD2DA}" type="datetimeFigureOut">
               <a:rPr lang="en-US" smtClean="0"/>
-              <a:t>12/15/2015</a:t>
+              <a:t>1/4/2016</a:t>
             </a:fld>
             <a:endParaRPr lang="en-US" dirty="0"/>
           </a:p>
@@ -6201,7 +5901,7 @@
             <a:fld id="{96DFF08F-DC6B-4601-B491-B0F83F6DD2DA}" type="datetimeFigureOut">
               <a:rPr lang="en-US" smtClean="0"/>
               <a:pPr/>
-              <a:t>12/15/2015</a:t>
+              <a:t>1/4/2016</a:t>
             </a:fld>
             <a:endParaRPr lang="en-US" dirty="0"/>
           </a:p>
@@ -6384,7 +6084,7 @@
           <a:p>
             <a:fld id="{96DFF08F-DC6B-4601-B491-B0F83F6DD2DA}" type="datetimeFigureOut">
               <a:rPr lang="en-US" smtClean="0"/>
-              <a:t>12/15/2015</a:t>
+              <a:t>1/4/2016</a:t>
             </a:fld>
             <a:endParaRPr lang="en-US" dirty="0"/>
           </a:p>
@@ -6647,7 +6347,7 @@
           <a:p>
             <a:fld id="{96DFF08F-DC6B-4601-B491-B0F83F6DD2DA}" type="datetimeFigureOut">
               <a:rPr lang="en-US" smtClean="0"/>
-              <a:t>12/15/2015</a:t>
+              <a:t>1/4/2016</a:t>
             </a:fld>
             <a:endParaRPr lang="en-US" dirty="0"/>
           </a:p>
@@ -6891,7 +6591,7 @@
           <a:p>
             <a:fld id="{96DFF08F-DC6B-4601-B491-B0F83F6DD2DA}" type="datetimeFigureOut">
               <a:rPr lang="en-US" smtClean="0"/>
-              <a:t>12/15/2015</a:t>
+              <a:t>1/4/2016</a:t>
             </a:fld>
             <a:endParaRPr lang="en-US" dirty="0"/>
           </a:p>
@@ -7250,7 +6950,7 @@
           <a:p>
             <a:fld id="{96DFF08F-DC6B-4601-B491-B0F83F6DD2DA}" type="datetimeFigureOut">
               <a:rPr lang="en-US" smtClean="0"/>
-              <a:t>12/15/2015</a:t>
+              <a:t>1/4/2016</a:t>
             </a:fld>
             <a:endParaRPr lang="en-US" dirty="0"/>
           </a:p>
@@ -7380,7 +7080,7 @@
           <a:p>
             <a:fld id="{96DFF08F-DC6B-4601-B491-B0F83F6DD2DA}" type="datetimeFigureOut">
               <a:rPr lang="en-US" smtClean="0"/>
-              <a:t>12/15/2015</a:t>
+              <a:t>1/4/2016</a:t>
             </a:fld>
             <a:endParaRPr lang="en-US" dirty="0"/>
           </a:p>
@@ -7510,7 +7210,7 @@
           <a:p>
             <a:fld id="{96DFF08F-DC6B-4601-B491-B0F83F6DD2DA}" type="datetimeFigureOut">
               <a:rPr lang="en-US" smtClean="0"/>
-              <a:t>12/15/2015</a:t>
+              <a:t>1/4/2016</a:t>
             </a:fld>
             <a:endParaRPr lang="en-US" dirty="0"/>
           </a:p>
@@ -7806,7 +7506,7 @@
           <a:p>
             <a:fld id="{96DFF08F-DC6B-4601-B491-B0F83F6DD2DA}" type="datetimeFigureOut">
               <a:rPr lang="en-US" smtClean="0"/>
-              <a:t>12/15/2015</a:t>
+              <a:t>1/4/2016</a:t>
             </a:fld>
             <a:endParaRPr lang="en-US" dirty="0"/>
           </a:p>
@@ -7988,7 +7688,7 @@
           <a:p>
             <a:fld id="{96DFF08F-DC6B-4601-B491-B0F83F6DD2DA}" type="datetimeFigureOut">
               <a:rPr lang="en-US" smtClean="0"/>
-              <a:t>12/15/2015</a:t>
+              <a:t>1/4/2016</a:t>
             </a:fld>
             <a:endParaRPr lang="en-US" dirty="0"/>
           </a:p>
@@ -8264,7 +7964,7 @@
           <a:p>
             <a:fld id="{96DFF08F-DC6B-4601-B491-B0F83F6DD2DA}" type="datetimeFigureOut">
               <a:rPr lang="en-US" smtClean="0"/>
-              <a:t>12/15/2015</a:t>
+              <a:t>1/4/2016</a:t>
             </a:fld>
             <a:endParaRPr lang="en-US" dirty="0"/>
           </a:p>
@@ -8446,7 +8146,7 @@
           <a:p>
             <a:fld id="{96DFF08F-DC6B-4601-B491-B0F83F6DD2DA}" type="datetimeFigureOut">
               <a:rPr lang="en-US" smtClean="0"/>
-              <a:t>12/15/2015</a:t>
+              <a:t>1/4/2016</a:t>
             </a:fld>
             <a:endParaRPr lang="en-US" dirty="0"/>
           </a:p>
@@ -8638,7 +8338,7 @@
           <a:p>
             <a:fld id="{96DFF08F-DC6B-4601-B491-B0F83F6DD2DA}" type="datetimeFigureOut">
               <a:rPr lang="en-US" smtClean="0"/>
-              <a:t>12/15/2015</a:t>
+              <a:t>1/4/2016</a:t>
             </a:fld>
             <a:endParaRPr lang="en-US" dirty="0"/>
           </a:p>
@@ -8854,7 +8554,7 @@
             <a:fld id="{96DFF08F-DC6B-4601-B491-B0F83F6DD2DA}" type="datetimeFigureOut">
               <a:rPr lang="en-US" smtClean="0"/>
               <a:pPr/>
-              <a:t>12/15/2015</a:t>
+              <a:t>1/4/2016</a:t>
             </a:fld>
             <a:endParaRPr lang="en-US" dirty="0"/>
           </a:p>
@@ -9037,7 +8737,7 @@
           <a:p>
             <a:fld id="{96DFF08F-DC6B-4601-B491-B0F83F6DD2DA}" type="datetimeFigureOut">
               <a:rPr lang="en-US" smtClean="0"/>
-              <a:t>12/15/2015</a:t>
+              <a:t>1/4/2016</a:t>
             </a:fld>
             <a:endParaRPr lang="en-US" dirty="0"/>
           </a:p>
@@ -9300,7 +9000,7 @@
           <a:p>
             <a:fld id="{96DFF08F-DC6B-4601-B491-B0F83F6DD2DA}" type="datetimeFigureOut">
               <a:rPr lang="en-US" smtClean="0"/>
-              <a:t>12/15/2015</a:t>
+              <a:t>1/4/2016</a:t>
             </a:fld>
             <a:endParaRPr lang="en-US" dirty="0"/>
           </a:p>
@@ -9544,7 +9244,7 @@
           <a:p>
             <a:fld id="{96DFF08F-DC6B-4601-B491-B0F83F6DD2DA}" type="datetimeFigureOut">
               <a:rPr lang="en-US" smtClean="0"/>
-              <a:t>12/15/2015</a:t>
+              <a:t>1/4/2016</a:t>
             </a:fld>
             <a:endParaRPr lang="en-US" dirty="0"/>
           </a:p>
@@ -9903,7 +9603,7 @@
           <a:p>
             <a:fld id="{96DFF08F-DC6B-4601-B491-B0F83F6DD2DA}" type="datetimeFigureOut">
               <a:rPr lang="en-US" smtClean="0"/>
-              <a:t>12/15/2015</a:t>
+              <a:t>1/4/2016</a:t>
             </a:fld>
             <a:endParaRPr lang="en-US" dirty="0"/>
           </a:p>
@@ -10033,7 +9733,7 @@
           <a:p>
             <a:fld id="{96DFF08F-DC6B-4601-B491-B0F83F6DD2DA}" type="datetimeFigureOut">
               <a:rPr lang="en-US" smtClean="0"/>
-              <a:t>12/15/2015</a:t>
+              <a:t>1/4/2016</a:t>
             </a:fld>
             <a:endParaRPr lang="en-US" dirty="0"/>
           </a:p>
@@ -10163,7 +9863,7 @@
           <a:p>
             <a:fld id="{96DFF08F-DC6B-4601-B491-B0F83F6DD2DA}" type="datetimeFigureOut">
               <a:rPr lang="en-US" smtClean="0"/>
-              <a:t>12/15/2015</a:t>
+              <a:t>1/4/2016</a:t>
             </a:fld>
             <a:endParaRPr lang="en-US" dirty="0"/>
           </a:p>
@@ -10426,7 +10126,7 @@
           <a:p>
             <a:fld id="{96DFF08F-DC6B-4601-B491-B0F83F6DD2DA}" type="datetimeFigureOut">
               <a:rPr lang="en-US" smtClean="0"/>
-              <a:t>12/15/2015</a:t>
+              <a:t>1/4/2016</a:t>
             </a:fld>
             <a:endParaRPr lang="en-US" dirty="0"/>
           </a:p>
@@ -10722,7 +10422,7 @@
           <a:p>
             <a:fld id="{96DFF08F-DC6B-4601-B491-B0F83F6DD2DA}" type="datetimeFigureOut">
               <a:rPr lang="en-US" smtClean="0"/>
-              <a:t>12/15/2015</a:t>
+              <a:t>1/4/2016</a:t>
             </a:fld>
             <a:endParaRPr lang="en-US" dirty="0"/>
           </a:p>
@@ -10998,7 +10698,7 @@
           <a:p>
             <a:fld id="{96DFF08F-DC6B-4601-B491-B0F83F6DD2DA}" type="datetimeFigureOut">
               <a:rPr lang="en-US" smtClean="0"/>
-              <a:t>12/15/2015</a:t>
+              <a:t>1/4/2016</a:t>
             </a:fld>
             <a:endParaRPr lang="en-US" dirty="0"/>
           </a:p>
@@ -11180,7 +10880,7 @@
           <a:p>
             <a:fld id="{96DFF08F-DC6B-4601-B491-B0F83F6DD2DA}" type="datetimeFigureOut">
               <a:rPr lang="en-US" smtClean="0"/>
-              <a:t>12/15/2015</a:t>
+              <a:t>1/4/2016</a:t>
             </a:fld>
             <a:endParaRPr lang="en-US" dirty="0"/>
           </a:p>
@@ -11372,7 +11072,7 @@
           <a:p>
             <a:fld id="{96DFF08F-DC6B-4601-B491-B0F83F6DD2DA}" type="datetimeFigureOut">
               <a:rPr lang="en-US" smtClean="0"/>
-              <a:t>12/15/2015</a:t>
+              <a:t>1/4/2016</a:t>
             </a:fld>
             <a:endParaRPr lang="en-US" dirty="0"/>
           </a:p>
@@ -11849,7 +11549,7 @@
             <a:fld id="{96DFF08F-DC6B-4601-B491-B0F83F6DD2DA}" type="datetimeFigureOut">
               <a:rPr lang="en-US" smtClean="0"/>
               <a:pPr/>
-              <a:t>12/15/2015</a:t>
+              <a:t>1/4/2016</a:t>
             </a:fld>
             <a:endParaRPr lang="en-US" dirty="0"/>
           </a:p>
@@ -12041,7 +11741,7 @@
           <a:p>
             <a:fld id="{96DFF08F-DC6B-4601-B491-B0F83F6DD2DA}" type="datetimeFigureOut">
               <a:rPr lang="en-US" smtClean="0"/>
-              <a:t>12/15/2015</a:t>
+              <a:t>1/4/2016</a:t>
             </a:fld>
             <a:endParaRPr lang="en-US" dirty="0"/>
           </a:p>
@@ -12366,7 +12066,7 @@
           <a:p>
             <a:fld id="{96DFF08F-DC6B-4601-B491-B0F83F6DD2DA}" type="datetimeFigureOut">
               <a:rPr lang="en-US" smtClean="0"/>
-              <a:t>12/15/2015</a:t>
+              <a:t>1/4/2016</a:t>
             </a:fld>
             <a:endParaRPr lang="en-US" dirty="0"/>
           </a:p>
@@ -12764,7 +12464,7 @@
           <a:p>
             <a:fld id="{96DFF08F-DC6B-4601-B491-B0F83F6DD2DA}" type="datetimeFigureOut">
               <a:rPr lang="en-US" smtClean="0"/>
-              <a:t>12/15/2015</a:t>
+              <a:t>1/4/2016</a:t>
             </a:fld>
             <a:endParaRPr lang="en-US" dirty="0"/>
           </a:p>
@@ -13210,7 +12910,7 @@
           <a:p>
             <a:fld id="{96DFF08F-DC6B-4601-B491-B0F83F6DD2DA}" type="datetimeFigureOut">
               <a:rPr lang="en-US" smtClean="0"/>
-              <a:t>12/15/2015</a:t>
+              <a:t>1/4/2016</a:t>
             </a:fld>
             <a:endParaRPr lang="en-US" dirty="0"/>
           </a:p>
@@ -13340,7 +13040,7 @@
           <a:p>
             <a:fld id="{96DFF08F-DC6B-4601-B491-B0F83F6DD2DA}" type="datetimeFigureOut">
               <a:rPr lang="en-US" smtClean="0"/>
-              <a:t>12/15/2015</a:t>
+              <a:t>1/4/2016</a:t>
             </a:fld>
             <a:endParaRPr lang="en-US" dirty="0"/>
           </a:p>
@@ -13584,7 +13284,7 @@
           <a:p>
             <a:fld id="{96DFF08F-DC6B-4601-B491-B0F83F6DD2DA}" type="datetimeFigureOut">
               <a:rPr lang="en-US" smtClean="0"/>
-              <a:t>12/15/2015</a:t>
+              <a:t>1/4/2016</a:t>
             </a:fld>
             <a:endParaRPr lang="en-US" dirty="0"/>
           </a:p>
@@ -13691,7 +13391,7 @@
           <a:p>
             <a:fld id="{96DFF08F-DC6B-4601-B491-B0F83F6DD2DA}" type="datetimeFigureOut">
               <a:rPr lang="en-US" smtClean="0"/>
-              <a:t>12/15/2015</a:t>
+              <a:t>1/4/2016</a:t>
             </a:fld>
             <a:endParaRPr lang="en-US" dirty="0"/>
           </a:p>
@@ -14053,7 +13753,7 @@
           <a:p>
             <a:fld id="{96DFF08F-DC6B-4601-B491-B0F83F6DD2DA}" type="datetimeFigureOut">
               <a:rPr lang="en-US" smtClean="0"/>
-              <a:t>12/15/2015</a:t>
+              <a:t>1/4/2016</a:t>
             </a:fld>
             <a:endParaRPr lang="en-US" dirty="0"/>
           </a:p>
@@ -14490,7 +14190,7 @@
           <a:p>
             <a:fld id="{96DFF08F-DC6B-4601-B491-B0F83F6DD2DA}" type="datetimeFigureOut">
               <a:rPr lang="en-US" smtClean="0"/>
-              <a:t>12/15/2015</a:t>
+              <a:t>1/4/2016</a:t>
             </a:fld>
             <a:endParaRPr lang="en-US" dirty="0"/>
           </a:p>
@@ -14742,7 +14442,7 @@
           <a:p>
             <a:fld id="{96DFF08F-DC6B-4601-B491-B0F83F6DD2DA}" type="datetimeFigureOut">
               <a:rPr lang="en-US" smtClean="0"/>
-              <a:t>12/15/2015</a:t>
+              <a:t>1/4/2016</a:t>
             </a:fld>
             <a:endParaRPr lang="en-US" dirty="0"/>
           </a:p>
@@ -14934,7 +14634,7 @@
           <a:p>
             <a:fld id="{96DFF08F-DC6B-4601-B491-B0F83F6DD2DA}" type="datetimeFigureOut">
               <a:rPr lang="en-US" smtClean="0"/>
-              <a:t>12/15/2015</a:t>
+              <a:t>1/4/2016</a:t>
             </a:fld>
             <a:endParaRPr lang="en-US" dirty="0"/>
           </a:p>
@@ -15293,7 +14993,7 @@
           <a:p>
             <a:fld id="{96DFF08F-DC6B-4601-B491-B0F83F6DD2DA}" type="datetimeFigureOut">
               <a:rPr lang="en-US" smtClean="0"/>
-              <a:t>12/15/2015</a:t>
+              <a:t>1/4/2016</a:t>
             </a:fld>
             <a:endParaRPr lang="en-US" dirty="0"/>
           </a:p>
@@ -15423,7 +15123,7 @@
           <a:p>
             <a:fld id="{96DFF08F-DC6B-4601-B491-B0F83F6DD2DA}" type="datetimeFigureOut">
               <a:rPr lang="en-US" smtClean="0"/>
-              <a:t>12/15/2015</a:t>
+              <a:t>1/4/2016</a:t>
             </a:fld>
             <a:endParaRPr lang="en-US" dirty="0"/>
           </a:p>
@@ -15553,7 +15253,7 @@
           <a:p>
             <a:fld id="{96DFF08F-DC6B-4601-B491-B0F83F6DD2DA}" type="datetimeFigureOut">
               <a:rPr lang="en-US" smtClean="0"/>
-              <a:t>12/15/2015</a:t>
+              <a:t>1/4/2016</a:t>
             </a:fld>
             <a:endParaRPr lang="en-US" dirty="0"/>
           </a:p>
@@ -15849,7 +15549,7 @@
           <a:p>
             <a:fld id="{96DFF08F-DC6B-4601-B491-B0F83F6DD2DA}" type="datetimeFigureOut">
               <a:rPr lang="en-US" smtClean="0"/>
-              <a:t>12/15/2015</a:t>
+              <a:t>1/4/2016</a:t>
             </a:fld>
             <a:endParaRPr lang="en-US" dirty="0"/>
           </a:p>
@@ -16125,7 +15825,7 @@
           <a:p>
             <a:fld id="{96DFF08F-DC6B-4601-B491-B0F83F6DD2DA}" type="datetimeFigureOut">
               <a:rPr lang="en-US" smtClean="0"/>
-              <a:t>12/15/2015</a:t>
+              <a:t>1/4/2016</a:t>
             </a:fld>
             <a:endParaRPr lang="en-US" dirty="0"/>
           </a:p>
@@ -16352,7 +16052,7 @@
             <a:fld id="{96DFF08F-DC6B-4601-B491-B0F83F6DD2DA}" type="datetimeFigureOut">
               <a:rPr lang="en-US" smtClean="0"/>
               <a:pPr/>
-              <a:t>12/15/2015</a:t>
+              <a:t>1/4/2016</a:t>
             </a:fld>
             <a:endParaRPr lang="en-US" dirty="0"/>
           </a:p>
@@ -16896,7 +16596,7 @@
             <a:fld id="{96DFF08F-DC6B-4601-B491-B0F83F6DD2DA}" type="datetimeFigureOut">
               <a:rPr lang="en-US" smtClean="0"/>
               <a:pPr/>
-              <a:t>12/15/2015</a:t>
+              <a:t>1/4/2016</a:t>
             </a:fld>
             <a:endParaRPr lang="en-US" dirty="0"/>
           </a:p>
@@ -17440,7 +17140,7 @@
             <a:fld id="{96DFF08F-DC6B-4601-B491-B0F83F6DD2DA}" type="datetimeFigureOut">
               <a:rPr lang="en-US" smtClean="0"/>
               <a:pPr/>
-              <a:t>12/15/2015</a:t>
+              <a:t>1/4/2016</a:t>
             </a:fld>
             <a:endParaRPr lang="en-US" dirty="0"/>
           </a:p>
@@ -17981,7 +17681,7 @@
             <a:fld id="{96DFF08F-DC6B-4601-B491-B0F83F6DD2DA}" type="datetimeFigureOut">
               <a:rPr lang="en-US" smtClean="0"/>
               <a:pPr/>
-              <a:t>12/15/2015</a:t>
+              <a:t>1/4/2016</a:t>
             </a:fld>
             <a:endParaRPr lang="en-US" dirty="0"/>
           </a:p>
@@ -18613,14 +18313,7 @@
           <a:lstStyle/>
           <a:p>
             <a:r>
-              <a:rPr lang="zh-CN" altLang="en-US" dirty="0" smtClean="0"/>
-              <a:t>软件工程助教 程元启</a:t>
-            </a:r>
-            <a:endParaRPr lang="en-US" altLang="zh-CN" dirty="0" smtClean="0"/>
-          </a:p>
-          <a:p>
-            <a:r>
-              <a:rPr lang="en-US" altLang="zh-CN" dirty="0" smtClean="0"/>
+              <a:rPr lang="en-US" altLang="zh-CN" smtClean="0"/>
               <a:t>se_buaa@qq.com</a:t>
             </a:r>
             <a:endParaRPr lang="zh-CN" altLang="en-US" dirty="0"/>
